--- a/doc/slides.pptx
+++ b/doc/slides.pptx
@@ -3862,7 +3862,7 @@
             <a:pPr rtl="0"/>
             <a:fld id="{764ED9EE-8F2A-4E06-87A2-36C0DD0993FD}" type="datetime1">
               <a:rPr lang="de-DE" smtClean="0"/>
-              <a:t>22.02.2022</a:t>
+              <a:t>22.06.2022</a:t>
             </a:fld>
             <a:endParaRPr lang="en-US" dirty="0"/>
           </a:p>
@@ -4032,7 +4032,7 @@
             <a:pPr rtl="0"/>
             <a:fld id="{A5A5ADE8-1FB8-43FD-A675-2B613EE00B6F}" type="datetime1">
               <a:rPr lang="de-DE" smtClean="0"/>
-              <a:t>22.02.2022</a:t>
+              <a:t>22.06.2022</a:t>
             </a:fld>
             <a:endParaRPr lang="en-US"/>
           </a:p>
@@ -4546,7 +4546,7 @@
             <a:pPr rtl="0"/>
             <a:fld id="{81E9C95E-BEF0-4D2E-9127-B9099B238D2A}" type="datetime1">
               <a:rPr lang="de-DE" smtClean="0"/>
-              <a:t>22.02.2022</a:t>
+              <a:t>22.06.2022</a:t>
             </a:fld>
             <a:endParaRPr lang="en-US" dirty="0"/>
           </a:p>
@@ -4753,7 +4753,7 @@
             <a:pPr rtl="0"/>
             <a:fld id="{FE771757-BB18-44C5-813E-435E78C98126}" type="datetime1">
               <a:rPr lang="de-DE" smtClean="0"/>
-              <a:t>22.02.2022</a:t>
+              <a:t>22.06.2022</a:t>
             </a:fld>
             <a:endParaRPr lang="en-US" dirty="0"/>
           </a:p>
@@ -5119,7 +5119,7 @@
             <a:pPr rtl="0"/>
             <a:fld id="{B83FACD6-565C-4118-ACD0-32ACCA9AF940}" type="datetime1">
               <a:rPr lang="de-DE" smtClean="0"/>
-              <a:t>22.02.2022</a:t>
+              <a:t>22.06.2022</a:t>
             </a:fld>
             <a:endParaRPr lang="en-US" dirty="0"/>
           </a:p>
@@ -5321,7 +5321,7 @@
             <a:pPr rtl="0"/>
             <a:fld id="{83627DD0-092D-4AD9-AAE0-0513E170352E}" type="datetime1">
               <a:rPr lang="de-DE" smtClean="0"/>
-              <a:t>22.02.2022</a:t>
+              <a:t>22.06.2022</a:t>
             </a:fld>
             <a:endParaRPr lang="en-US" dirty="0"/>
           </a:p>
@@ -5637,7 +5637,7 @@
             <a:pPr rtl="0"/>
             <a:fld id="{F36CBEDB-B1DE-4F8C-AD4A-10AD3F77E1A9}" type="datetime1">
               <a:rPr lang="de-DE" smtClean="0"/>
-              <a:t>22.02.2022</a:t>
+              <a:t>22.06.2022</a:t>
             </a:fld>
             <a:endParaRPr lang="en-US" dirty="0"/>
           </a:p>
@@ -5894,7 +5894,7 @@
             <a:pPr rtl="0"/>
             <a:fld id="{F95AE019-BB99-4C3A-AA2C-A36C39CE4DCB}" type="datetime1">
               <a:rPr lang="de-DE" smtClean="0"/>
-              <a:t>22.02.2022</a:t>
+              <a:t>22.06.2022</a:t>
             </a:fld>
             <a:endParaRPr lang="en-US" dirty="0"/>
           </a:p>
@@ -6320,7 +6320,7 @@
             <a:pPr rtl="0"/>
             <a:fld id="{117FAFC6-AD0C-4B5B-B8B0-E729C6D4C810}" type="datetime1">
               <a:rPr lang="de-DE" smtClean="0"/>
-              <a:t>22.02.2022</a:t>
+              <a:t>22.06.2022</a:t>
             </a:fld>
             <a:endParaRPr lang="en-US" dirty="0"/>
           </a:p>
@@ -6447,7 +6447,7 @@
             <a:pPr rtl="0"/>
             <a:fld id="{607DEF3C-A2B0-4F78-836D-1A1B1DEE5467}" type="datetime1">
               <a:rPr lang="de-DE" smtClean="0"/>
-              <a:t>22.02.2022</a:t>
+              <a:t>22.06.2022</a:t>
             </a:fld>
             <a:endParaRPr lang="en-US" dirty="0"/>
           </a:p>
@@ -6545,7 +6545,7 @@
             <a:pPr rtl="0"/>
             <a:fld id="{D971D44B-9C44-467E-B481-41466CDBD2A7}" type="datetime1">
               <a:rPr lang="de-DE" smtClean="0"/>
-              <a:t>22.02.2022</a:t>
+              <a:t>22.06.2022</a:t>
             </a:fld>
             <a:endParaRPr lang="en-US" dirty="0"/>
           </a:p>
@@ -6926,7 +6926,7 @@
             <a:pPr rtl="0"/>
             <a:fld id="{0354EEBD-0E7F-42E6-BE86-4864547D749E}" type="datetime1">
               <a:rPr lang="de-DE" smtClean="0"/>
-              <a:t>22.02.2022</a:t>
+              <a:t>22.06.2022</a:t>
             </a:fld>
             <a:endParaRPr lang="en-US" dirty="0"/>
           </a:p>
@@ -7224,7 +7224,7 @@
             <a:pPr rtl="0"/>
             <a:fld id="{8C7274EF-79A2-4EAD-98EF-7E5BB5EA068D}" type="datetime1">
               <a:rPr lang="de-DE" smtClean="0"/>
-              <a:t>22.02.2022</a:t>
+              <a:t>22.06.2022</a:t>
             </a:fld>
             <a:endParaRPr lang="en-US" dirty="0"/>
           </a:p>
@@ -7442,7 +7442,7 @@
             <a:pPr rtl="0"/>
             <a:fld id="{EDD379EC-906B-4CE5-98C2-3A156331FD9E}" type="datetime1">
               <a:rPr lang="de-DE" smtClean="0"/>
-              <a:t>22.02.2022</a:t>
+              <a:t>22.06.2022</a:t>
             </a:fld>
             <a:endParaRPr lang="en-US" dirty="0"/>
           </a:p>
@@ -8555,8 +8555,8 @@
         </p:nvSpPr>
         <p:spPr>
           <a:xfrm>
-            <a:off x="9750803" y="2275768"/>
-            <a:ext cx="1744910" cy="3766656"/>
+            <a:off x="9750803" y="2015794"/>
+            <a:ext cx="1744910" cy="4127463"/>
           </a:xfrm>
           <a:prstGeom prst="rect">
             <a:avLst/>
@@ -8671,7 +8671,7 @@
             <a:pPr rtl="0"/>
             <a:fld id="{83627DD0-092D-4AD9-AAE0-0513E170352E}" type="datetime1">
               <a:rPr lang="de-DE" smtClean="0"/>
-              <a:t>22.02.2022</a:t>
+              <a:t>22.06.2022</a:t>
             </a:fld>
             <a:endParaRPr lang="en-US" dirty="0"/>
           </a:p>
@@ -8691,8 +8691,8 @@
         </p:nvSpPr>
         <p:spPr>
           <a:xfrm>
-            <a:off x="696287" y="2281806"/>
-            <a:ext cx="1744910" cy="3766656"/>
+            <a:off x="696287" y="2021832"/>
+            <a:ext cx="1744910" cy="4104225"/>
           </a:xfrm>
           <a:prstGeom prst="rect">
             <a:avLst/>
@@ -8741,8 +8741,8 @@
         </p:nvSpPr>
         <p:spPr>
           <a:xfrm>
-            <a:off x="9887963" y="2396853"/>
-            <a:ext cx="1478029" cy="3523592"/>
+            <a:off x="9887963" y="2136879"/>
+            <a:ext cx="1478029" cy="3838931"/>
           </a:xfrm>
           <a:prstGeom prst="rect">
             <a:avLst/>
@@ -8791,7 +8791,7 @@
         </p:nvSpPr>
         <p:spPr>
           <a:xfrm>
-            <a:off x="696287" y="1774054"/>
+            <a:off x="696287" y="1514081"/>
             <a:ext cx="1786854" cy="369332"/>
           </a:xfrm>
           <a:prstGeom prst="rect">
@@ -8831,7 +8831,7 @@
         </p:nvSpPr>
         <p:spPr>
           <a:xfrm>
-            <a:off x="9750803" y="1774054"/>
+            <a:off x="9750803" y="1514081"/>
             <a:ext cx="1786854" cy="369332"/>
           </a:xfrm>
           <a:prstGeom prst="rect">
@@ -8867,7 +8867,7 @@
         </p:nvGrpSpPr>
         <p:grpSpPr>
           <a:xfrm>
-            <a:off x="3011648" y="2172747"/>
+            <a:off x="3011648" y="1912774"/>
             <a:ext cx="6350466" cy="369332"/>
             <a:chOff x="3011648" y="2172747"/>
             <a:chExt cx="6350466" cy="369332"/>
@@ -8977,7 +8977,7 @@
         </p:nvGrpSpPr>
         <p:grpSpPr>
           <a:xfrm>
-            <a:off x="3011648" y="2656366"/>
+            <a:off x="3011648" y="2396393"/>
             <a:ext cx="6350466" cy="369332"/>
             <a:chOff x="3011648" y="2606662"/>
             <a:chExt cx="6350466" cy="369332"/>
@@ -9085,7 +9085,7 @@
         </p:nvGrpSpPr>
         <p:grpSpPr>
           <a:xfrm>
-            <a:off x="3011648" y="3139985"/>
+            <a:off x="3011648" y="2880012"/>
             <a:ext cx="6350466" cy="369332"/>
             <a:chOff x="3011648" y="4560758"/>
             <a:chExt cx="6350466" cy="369332"/>
@@ -9181,114 +9181,6 @@
       </p:grpSp>
       <p:grpSp>
         <p:nvGrpSpPr>
-          <p:cNvPr id="41" name="Gruppieren 40">
-            <a:extLst>
-              <a:ext uri="{FF2B5EF4-FFF2-40B4-BE49-F238E27FC236}">
-                <a16:creationId xmlns:a16="http://schemas.microsoft.com/office/drawing/2014/main" id="{6A5DA142-9C50-4D3D-B067-FC4757E35420}"/>
-              </a:ext>
-            </a:extLst>
-          </p:cNvPr>
-          <p:cNvGrpSpPr/>
-          <p:nvPr/>
-        </p:nvGrpSpPr>
-        <p:grpSpPr>
-          <a:xfrm>
-            <a:off x="3011648" y="5558080"/>
-            <a:ext cx="6350466" cy="369332"/>
-            <a:chOff x="3011648" y="5057262"/>
-            <a:chExt cx="6350466" cy="369332"/>
-          </a:xfrm>
-        </p:grpSpPr>
-        <p:sp>
-          <p:nvSpPr>
-            <p:cNvPr id="31" name="Textfeld 30">
-              <a:extLst>
-                <a:ext uri="{FF2B5EF4-FFF2-40B4-BE49-F238E27FC236}">
-                  <a16:creationId xmlns:a16="http://schemas.microsoft.com/office/drawing/2014/main" id="{03C43CE7-01B5-4431-90EC-47F809D8B31F}"/>
-                </a:ext>
-              </a:extLst>
-            </p:cNvPr>
-            <p:cNvSpPr txBox="1"/>
-            <p:nvPr/>
-          </p:nvSpPr>
-          <p:spPr>
-            <a:xfrm>
-              <a:off x="3011648" y="5057262"/>
-              <a:ext cx="6350466" cy="369332"/>
-            </a:xfrm>
-            <a:prstGeom prst="rect">
-              <a:avLst/>
-            </a:prstGeom>
-            <a:noFill/>
-          </p:spPr>
-          <p:txBody>
-            <a:bodyPr wrap="square" rtlCol="0">
-              <a:spAutoFit/>
-            </a:bodyPr>
-            <a:lstStyle/>
-            <a:p>
-              <a:pPr algn="ctr"/>
-              <a:r>
-                <a:rPr lang="de-DE" dirty="0" err="1">
-                  <a:solidFill>
-                    <a:schemeClr val="accent2"/>
-                  </a:solidFill>
-                </a:rPr>
-                <a:t>pasteSelector</a:t>
-              </a:r>
-              <a:endParaRPr lang="de-AT" dirty="0">
-                <a:solidFill>
-                  <a:schemeClr val="accent2"/>
-                </a:solidFill>
-              </a:endParaRPr>
-            </a:p>
-          </p:txBody>
-        </p:sp>
-        <p:cxnSp>
-          <p:nvCxnSpPr>
-            <p:cNvPr id="32" name="Gerade Verbindung mit Pfeil 31">
-              <a:extLst>
-                <a:ext uri="{FF2B5EF4-FFF2-40B4-BE49-F238E27FC236}">
-                  <a16:creationId xmlns:a16="http://schemas.microsoft.com/office/drawing/2014/main" id="{0F4D2B1D-550B-43A2-9A0E-ED41A00EDE85}"/>
-                </a:ext>
-              </a:extLst>
-            </p:cNvPr>
-            <p:cNvCxnSpPr>
-              <a:cxnSpLocks/>
-            </p:cNvCxnSpPr>
-            <p:nvPr/>
-          </p:nvCxnSpPr>
-          <p:spPr>
-            <a:xfrm flipH="1">
-              <a:off x="3011648" y="5409384"/>
-              <a:ext cx="6350466" cy="0"/>
-            </a:xfrm>
-            <a:prstGeom prst="straightConnector1">
-              <a:avLst/>
-            </a:prstGeom>
-            <a:ln w="19050">
-              <a:headEnd type="triangle" w="med" len="med"/>
-              <a:tailEnd type="none" w="med" len="med"/>
-            </a:ln>
-          </p:spPr>
-          <p:style>
-            <a:lnRef idx="1">
-              <a:schemeClr val="accent1"/>
-            </a:lnRef>
-            <a:fillRef idx="0">
-              <a:schemeClr val="accent1"/>
-            </a:fillRef>
-            <a:effectRef idx="0">
-              <a:schemeClr val="accent1"/>
-            </a:effectRef>
-            <a:fontRef idx="minor">
-              <a:schemeClr val="tx1"/>
-            </a:fontRef>
-          </p:style>
-        </p:cxnSp>
-      </p:grpSp>
-      <p:grpSp>
-        <p:nvGrpSpPr>
           <p:cNvPr id="47" name="Gruppieren 46">
             <a:extLst>
               <a:ext uri="{FF2B5EF4-FFF2-40B4-BE49-F238E27FC236}">
@@ -9301,7 +9193,7 @@
         </p:nvGrpSpPr>
         <p:grpSpPr>
           <a:xfrm>
-            <a:off x="3011648" y="3623604"/>
+            <a:off x="3011648" y="3363631"/>
             <a:ext cx="6350466" cy="369332"/>
             <a:chOff x="3011648" y="3126241"/>
             <a:chExt cx="6350466" cy="369332"/>
@@ -9411,7 +9303,7 @@
         </p:nvGrpSpPr>
         <p:grpSpPr>
           <a:xfrm>
-            <a:off x="3011648" y="4107223"/>
+            <a:off x="3011648" y="3847250"/>
             <a:ext cx="6350466" cy="369332"/>
             <a:chOff x="3011648" y="3621192"/>
             <a:chExt cx="6350466" cy="369332"/>
@@ -9521,7 +9413,7 @@
         </p:nvGrpSpPr>
         <p:grpSpPr>
           <a:xfrm>
-            <a:off x="3011648" y="4590842"/>
+            <a:off x="3011648" y="4330869"/>
             <a:ext cx="6350466" cy="369332"/>
             <a:chOff x="3011648" y="4108474"/>
             <a:chExt cx="6350466" cy="369332"/>
@@ -9631,7 +9523,7 @@
         </p:nvGrpSpPr>
         <p:grpSpPr>
           <a:xfrm>
-            <a:off x="3011648" y="5074461"/>
+            <a:off x="3011648" y="4814488"/>
             <a:ext cx="6350466" cy="369332"/>
             <a:chOff x="3011648" y="5558078"/>
             <a:chExt cx="6350466" cy="369332"/>
@@ -9688,6 +9580,224 @@
               <a:extLst>
                 <a:ext uri="{FF2B5EF4-FFF2-40B4-BE49-F238E27FC236}">
                   <a16:creationId xmlns:a16="http://schemas.microsoft.com/office/drawing/2014/main" id="{25E99CAB-7E48-4ED6-B835-39332681C1A6}"/>
+                </a:ext>
+              </a:extLst>
+            </p:cNvPr>
+            <p:cNvCxnSpPr>
+              <a:cxnSpLocks/>
+            </p:cNvCxnSpPr>
+            <p:nvPr/>
+          </p:nvCxnSpPr>
+          <p:spPr>
+            <a:xfrm flipH="1">
+              <a:off x="3011648" y="5910200"/>
+              <a:ext cx="6350466" cy="0"/>
+            </a:xfrm>
+            <a:prstGeom prst="straightConnector1">
+              <a:avLst/>
+            </a:prstGeom>
+            <a:ln w="19050">
+              <a:solidFill>
+                <a:schemeClr val="accent4"/>
+              </a:solidFill>
+              <a:tailEnd type="triangle"/>
+            </a:ln>
+          </p:spPr>
+          <p:style>
+            <a:lnRef idx="1">
+              <a:schemeClr val="accent1"/>
+            </a:lnRef>
+            <a:fillRef idx="0">
+              <a:schemeClr val="accent1"/>
+            </a:fillRef>
+            <a:effectRef idx="0">
+              <a:schemeClr val="accent1"/>
+            </a:effectRef>
+            <a:fontRef idx="minor">
+              <a:schemeClr val="tx1"/>
+            </a:fontRef>
+          </p:style>
+        </p:cxnSp>
+      </p:grpSp>
+      <p:grpSp>
+        <p:nvGrpSpPr>
+          <p:cNvPr id="33" name="Gruppieren 32">
+            <a:extLst>
+              <a:ext uri="{FF2B5EF4-FFF2-40B4-BE49-F238E27FC236}">
+                <a16:creationId xmlns:a16="http://schemas.microsoft.com/office/drawing/2014/main" id="{3203CB71-5271-C6F2-67A1-DE9FBB34EDB2}"/>
+              </a:ext>
+            </a:extLst>
+          </p:cNvPr>
+          <p:cNvGrpSpPr/>
+          <p:nvPr/>
+        </p:nvGrpSpPr>
+        <p:grpSpPr>
+          <a:xfrm>
+            <a:off x="3011648" y="5773936"/>
+            <a:ext cx="6350466" cy="369332"/>
+            <a:chOff x="3011648" y="5057262"/>
+            <a:chExt cx="6350466" cy="369332"/>
+          </a:xfrm>
+        </p:grpSpPr>
+        <p:sp>
+          <p:nvSpPr>
+            <p:cNvPr id="37" name="Textfeld 36">
+              <a:extLst>
+                <a:ext uri="{FF2B5EF4-FFF2-40B4-BE49-F238E27FC236}">
+                  <a16:creationId xmlns:a16="http://schemas.microsoft.com/office/drawing/2014/main" id="{3663993A-C425-612B-DC81-E9C28135A533}"/>
+                </a:ext>
+              </a:extLst>
+            </p:cNvPr>
+            <p:cNvSpPr txBox="1"/>
+            <p:nvPr/>
+          </p:nvSpPr>
+          <p:spPr>
+            <a:xfrm>
+              <a:off x="3011648" y="5057262"/>
+              <a:ext cx="6350466" cy="369332"/>
+            </a:xfrm>
+            <a:prstGeom prst="rect">
+              <a:avLst/>
+            </a:prstGeom>
+            <a:noFill/>
+          </p:spPr>
+          <p:txBody>
+            <a:bodyPr wrap="square" rtlCol="0">
+              <a:spAutoFit/>
+            </a:bodyPr>
+            <a:lstStyle/>
+            <a:p>
+              <a:pPr algn="ctr"/>
+              <a:r>
+                <a:rPr lang="de-DE" dirty="0" err="1">
+                  <a:solidFill>
+                    <a:schemeClr val="accent2"/>
+                  </a:solidFill>
+                </a:rPr>
+                <a:t>pasteSelector</a:t>
+              </a:r>
+              <a:endParaRPr lang="de-AT" dirty="0">
+                <a:solidFill>
+                  <a:schemeClr val="accent2"/>
+                </a:solidFill>
+              </a:endParaRPr>
+            </a:p>
+          </p:txBody>
+        </p:sp>
+        <p:cxnSp>
+          <p:nvCxnSpPr>
+            <p:cNvPr id="48" name="Gerade Verbindung mit Pfeil 47">
+              <a:extLst>
+                <a:ext uri="{FF2B5EF4-FFF2-40B4-BE49-F238E27FC236}">
+                  <a16:creationId xmlns:a16="http://schemas.microsoft.com/office/drawing/2014/main" id="{C3489BB8-D4ED-F303-3331-CC9D67961062}"/>
+                </a:ext>
+              </a:extLst>
+            </p:cNvPr>
+            <p:cNvCxnSpPr>
+              <a:cxnSpLocks/>
+            </p:cNvCxnSpPr>
+            <p:nvPr/>
+          </p:nvCxnSpPr>
+          <p:spPr>
+            <a:xfrm flipH="1">
+              <a:off x="3011648" y="5409384"/>
+              <a:ext cx="6350466" cy="0"/>
+            </a:xfrm>
+            <a:prstGeom prst="straightConnector1">
+              <a:avLst/>
+            </a:prstGeom>
+            <a:ln w="19050">
+              <a:headEnd type="triangle" w="med" len="med"/>
+              <a:tailEnd type="none" w="med" len="med"/>
+            </a:ln>
+          </p:spPr>
+          <p:style>
+            <a:lnRef idx="1">
+              <a:schemeClr val="accent1"/>
+            </a:lnRef>
+            <a:fillRef idx="0">
+              <a:schemeClr val="accent1"/>
+            </a:fillRef>
+            <a:effectRef idx="0">
+              <a:schemeClr val="accent1"/>
+            </a:effectRef>
+            <a:fontRef idx="minor">
+              <a:schemeClr val="tx1"/>
+            </a:fontRef>
+          </p:style>
+        </p:cxnSp>
+      </p:grpSp>
+      <p:grpSp>
+        <p:nvGrpSpPr>
+          <p:cNvPr id="49" name="Gruppieren 48">
+            <a:extLst>
+              <a:ext uri="{FF2B5EF4-FFF2-40B4-BE49-F238E27FC236}">
+                <a16:creationId xmlns:a16="http://schemas.microsoft.com/office/drawing/2014/main" id="{73CF20D4-4ECC-8E75-63B7-865219F1FA3B}"/>
+              </a:ext>
+            </a:extLst>
+          </p:cNvPr>
+          <p:cNvGrpSpPr/>
+          <p:nvPr/>
+        </p:nvGrpSpPr>
+        <p:grpSpPr>
+          <a:xfrm>
+            <a:off x="3011648" y="5290317"/>
+            <a:ext cx="6350466" cy="369332"/>
+            <a:chOff x="3011648" y="5558078"/>
+            <a:chExt cx="6350466" cy="369332"/>
+          </a:xfrm>
+        </p:grpSpPr>
+        <p:sp>
+          <p:nvSpPr>
+            <p:cNvPr id="50" name="Textfeld 49">
+              <a:extLst>
+                <a:ext uri="{FF2B5EF4-FFF2-40B4-BE49-F238E27FC236}">
+                  <a16:creationId xmlns:a16="http://schemas.microsoft.com/office/drawing/2014/main" id="{D5AE6E41-62C6-26F1-B3CB-1168F20F979D}"/>
+                </a:ext>
+              </a:extLst>
+            </p:cNvPr>
+            <p:cNvSpPr txBox="1"/>
+            <p:nvPr/>
+          </p:nvSpPr>
+          <p:spPr>
+            <a:xfrm>
+              <a:off x="3011648" y="5558078"/>
+              <a:ext cx="6350466" cy="369332"/>
+            </a:xfrm>
+            <a:prstGeom prst="rect">
+              <a:avLst/>
+            </a:prstGeom>
+            <a:noFill/>
+          </p:spPr>
+          <p:txBody>
+            <a:bodyPr wrap="square" rtlCol="0">
+              <a:spAutoFit/>
+            </a:bodyPr>
+            <a:lstStyle/>
+            <a:p>
+              <a:pPr algn="ctr"/>
+              <a:r>
+                <a:rPr lang="de-DE" dirty="0" err="1">
+                  <a:solidFill>
+                    <a:schemeClr val="accent5"/>
+                  </a:solidFill>
+                </a:rPr>
+                <a:t>quitPicker</a:t>
+              </a:r>
+              <a:endParaRPr lang="de-AT" dirty="0">
+                <a:solidFill>
+                  <a:schemeClr val="accent5"/>
+                </a:solidFill>
+              </a:endParaRPr>
+            </a:p>
+          </p:txBody>
+        </p:sp>
+        <p:cxnSp>
+          <p:nvCxnSpPr>
+            <p:cNvPr id="51" name="Gerade Verbindung mit Pfeil 50">
+              <a:extLst>
+                <a:ext uri="{FF2B5EF4-FFF2-40B4-BE49-F238E27FC236}">
+                  <a16:creationId xmlns:a16="http://schemas.microsoft.com/office/drawing/2014/main" id="{7F356CB7-E39F-87A2-9C37-7716C171D19C}"/>
                 </a:ext>
               </a:extLst>
             </p:cNvPr>

--- a/doc/slides.pptx
+++ b/doc/slides.pptx
@@ -3862,7 +3862,7 @@
             <a:pPr rtl="0"/>
             <a:fld id="{764ED9EE-8F2A-4E06-87A2-36C0DD0993FD}" type="datetime1">
               <a:rPr lang="de-DE" smtClean="0"/>
-              <a:t>22.06.2022</a:t>
+              <a:t>28.06.2022</a:t>
             </a:fld>
             <a:endParaRPr lang="en-US" dirty="0"/>
           </a:p>
@@ -4032,7 +4032,7 @@
             <a:pPr rtl="0"/>
             <a:fld id="{A5A5ADE8-1FB8-43FD-A675-2B613EE00B6F}" type="datetime1">
               <a:rPr lang="de-DE" smtClean="0"/>
-              <a:t>22.06.2022</a:t>
+              <a:t>28.06.2022</a:t>
             </a:fld>
             <a:endParaRPr lang="en-US"/>
           </a:p>
@@ -4546,7 +4546,7 @@
             <a:pPr rtl="0"/>
             <a:fld id="{81E9C95E-BEF0-4D2E-9127-B9099B238D2A}" type="datetime1">
               <a:rPr lang="de-DE" smtClean="0"/>
-              <a:t>22.06.2022</a:t>
+              <a:t>28.06.2022</a:t>
             </a:fld>
             <a:endParaRPr lang="en-US" dirty="0"/>
           </a:p>
@@ -4753,7 +4753,7 @@
             <a:pPr rtl="0"/>
             <a:fld id="{FE771757-BB18-44C5-813E-435E78C98126}" type="datetime1">
               <a:rPr lang="de-DE" smtClean="0"/>
-              <a:t>22.06.2022</a:t>
+              <a:t>28.06.2022</a:t>
             </a:fld>
             <a:endParaRPr lang="en-US" dirty="0"/>
           </a:p>
@@ -5119,7 +5119,7 @@
             <a:pPr rtl="0"/>
             <a:fld id="{B83FACD6-565C-4118-ACD0-32ACCA9AF940}" type="datetime1">
               <a:rPr lang="de-DE" smtClean="0"/>
-              <a:t>22.06.2022</a:t>
+              <a:t>28.06.2022</a:t>
             </a:fld>
             <a:endParaRPr lang="en-US" dirty="0"/>
           </a:p>
@@ -5321,7 +5321,7 @@
             <a:pPr rtl="0"/>
             <a:fld id="{83627DD0-092D-4AD9-AAE0-0513E170352E}" type="datetime1">
               <a:rPr lang="de-DE" smtClean="0"/>
-              <a:t>22.06.2022</a:t>
+              <a:t>28.06.2022</a:t>
             </a:fld>
             <a:endParaRPr lang="en-US" dirty="0"/>
           </a:p>
@@ -5637,7 +5637,7 @@
             <a:pPr rtl="0"/>
             <a:fld id="{F36CBEDB-B1DE-4F8C-AD4A-10AD3F77E1A9}" type="datetime1">
               <a:rPr lang="de-DE" smtClean="0"/>
-              <a:t>22.06.2022</a:t>
+              <a:t>28.06.2022</a:t>
             </a:fld>
             <a:endParaRPr lang="en-US" dirty="0"/>
           </a:p>
@@ -5894,7 +5894,7 @@
             <a:pPr rtl="0"/>
             <a:fld id="{F95AE019-BB99-4C3A-AA2C-A36C39CE4DCB}" type="datetime1">
               <a:rPr lang="de-DE" smtClean="0"/>
-              <a:t>22.06.2022</a:t>
+              <a:t>28.06.2022</a:t>
             </a:fld>
             <a:endParaRPr lang="en-US" dirty="0"/>
           </a:p>
@@ -6320,7 +6320,7 @@
             <a:pPr rtl="0"/>
             <a:fld id="{117FAFC6-AD0C-4B5B-B8B0-E729C6D4C810}" type="datetime1">
               <a:rPr lang="de-DE" smtClean="0"/>
-              <a:t>22.06.2022</a:t>
+              <a:t>28.06.2022</a:t>
             </a:fld>
             <a:endParaRPr lang="en-US" dirty="0"/>
           </a:p>
@@ -6447,7 +6447,7 @@
             <a:pPr rtl="0"/>
             <a:fld id="{607DEF3C-A2B0-4F78-836D-1A1B1DEE5467}" type="datetime1">
               <a:rPr lang="de-DE" smtClean="0"/>
-              <a:t>22.06.2022</a:t>
+              <a:t>28.06.2022</a:t>
             </a:fld>
             <a:endParaRPr lang="en-US" dirty="0"/>
           </a:p>
@@ -6545,7 +6545,7 @@
             <a:pPr rtl="0"/>
             <a:fld id="{D971D44B-9C44-467E-B481-41466CDBD2A7}" type="datetime1">
               <a:rPr lang="de-DE" smtClean="0"/>
-              <a:t>22.06.2022</a:t>
+              <a:t>28.06.2022</a:t>
             </a:fld>
             <a:endParaRPr lang="en-US" dirty="0"/>
           </a:p>
@@ -6926,7 +6926,7 @@
             <a:pPr rtl="0"/>
             <a:fld id="{0354EEBD-0E7F-42E6-BE86-4864547D749E}" type="datetime1">
               <a:rPr lang="de-DE" smtClean="0"/>
-              <a:t>22.06.2022</a:t>
+              <a:t>28.06.2022</a:t>
             </a:fld>
             <a:endParaRPr lang="en-US" dirty="0"/>
           </a:p>
@@ -7224,7 +7224,7 @@
             <a:pPr rtl="0"/>
             <a:fld id="{8C7274EF-79A2-4EAD-98EF-7E5BB5EA068D}" type="datetime1">
               <a:rPr lang="de-DE" smtClean="0"/>
-              <a:t>22.06.2022</a:t>
+              <a:t>28.06.2022</a:t>
             </a:fld>
             <a:endParaRPr lang="en-US" dirty="0"/>
           </a:p>
@@ -7442,7 +7442,7 @@
             <a:pPr rtl="0"/>
             <a:fld id="{EDD379EC-906B-4CE5-98C2-3A156331FD9E}" type="datetime1">
               <a:rPr lang="de-DE" smtClean="0"/>
-              <a:t>22.06.2022</a:t>
+              <a:t>28.06.2022</a:t>
             </a:fld>
             <a:endParaRPr lang="en-US" dirty="0"/>
           </a:p>
@@ -8671,7 +8671,7 @@
             <a:pPr rtl="0"/>
             <a:fld id="{83627DD0-092D-4AD9-AAE0-0513E170352E}" type="datetime1">
               <a:rPr lang="de-DE" smtClean="0"/>
-              <a:t>22.06.2022</a:t>
+              <a:t>28.06.2022</a:t>
             </a:fld>
             <a:endParaRPr lang="en-US" dirty="0"/>
           </a:p>
@@ -9915,7 +9915,7 @@
         <p:spPr/>
         <p:txBody>
           <a:bodyPr>
-            <a:normAutofit fontScale="77500" lnSpcReduction="20000"/>
+            <a:normAutofit fontScale="62500" lnSpcReduction="20000"/>
           </a:bodyPr>
           <a:lstStyle/>
           <a:p>
@@ -10391,6 +10391,74 @@
                 <a:latin typeface="Consolas" panose="020B0609020204030204" pitchFamily="49" charset="0"/>
               </a:rPr>
               <a:t>: {…} }, </a:t>
+            </a:r>
+          </a:p>
+          <a:p>
+            <a:pPr marL="0" indent="0">
+              <a:buNone/>
+            </a:pPr>
+            <a:r>
+              <a:rPr lang="en-US" b="0">
+                <a:solidFill>
+                  <a:srgbClr val="D4D4D4"/>
+                </a:solidFill>
+                <a:effectLst/>
+                <a:latin typeface="Consolas" panose="020B0609020204030204" pitchFamily="49" charset="0"/>
+              </a:rPr>
+              <a:t>      </a:t>
+            </a:r>
+            <a:r>
+              <a:rPr lang="en-US" sz="1800">
+                <a:solidFill>
+                  <a:schemeClr val="accent1">
+                    <a:lumMod val="75000"/>
+                  </a:schemeClr>
+                </a:solidFill>
+                <a:latin typeface="Consolas" panose="020B0609020204030204" pitchFamily="49" charset="0"/>
+              </a:rPr>
+              <a:t>formulas</a:t>
+            </a:r>
+            <a:r>
+              <a:rPr lang="en-US" b="0">
+                <a:solidFill>
+                  <a:srgbClr val="D4D4D4"/>
+                </a:solidFill>
+                <a:effectLst/>
+                <a:latin typeface="Consolas" panose="020B0609020204030204" pitchFamily="49" charset="0"/>
+              </a:rPr>
+              <a:t>: </a:t>
+            </a:r>
+            <a:r>
+              <a:rPr lang="en-US" b="0" dirty="0">
+                <a:solidFill>
+                  <a:srgbClr val="D4D4D4"/>
+                </a:solidFill>
+                <a:effectLst/>
+                <a:latin typeface="Consolas" panose="020B0609020204030204" pitchFamily="49" charset="0"/>
+              </a:rPr>
+              <a:t>{ </a:t>
+            </a:r>
+            <a:r>
+              <a:rPr lang="en-US" b="1" dirty="0" err="1">
+                <a:solidFill>
+                  <a:schemeClr val="accent2">
+                    <a:lumMod val="40000"/>
+                    <a:lumOff val="60000"/>
+                  </a:schemeClr>
+                </a:solidFill>
+                <a:latin typeface="consolas" panose="020B0609020204030204" pitchFamily="49" charset="0"/>
+              </a:rPr>
+              <a:t>GwZZwVb</a:t>
+            </a:r>
+            <a:r>
+              <a:rPr lang="en-US" b="0" dirty="0">
+                <a:solidFill>
+                  <a:srgbClr val="D4D4D4"/>
+                </a:solidFill>
+                <a:effectLst/>
+                <a:latin typeface="Consolas" panose="020B0609020204030204" pitchFamily="49" charset="0"/>
+              </a:rPr>
+              <a:t>: {…} },</a:t>
             </a:r>
           </a:p>
           <a:p>
